--- a/Study of Biochemical tests in diabetic Patients.pptx
+++ b/Study of Biochemical tests in diabetic Patients.pptx
@@ -5846,20 +5846,6 @@
               <a:buAutoNum type="romanUcPeriod"/>
             </a:pPr>
             <a:r>
-              <a:rPr lang="en-US" dirty="0"/>
-              <a:t>WORKING PRINCIPLE OF ELISA</a:t>
-            </a:r>
-            <a:endParaRPr lang="en-US" dirty="0">
-              <a:latin typeface="Arial" panose="020B0604020202020204" pitchFamily="34" charset="0"/>
-              <a:cs typeface="Arial" panose="020B0604020202020204" pitchFamily="34" charset="0"/>
-            </a:endParaRPr>
-          </a:p>
-          <a:p>
-            <a:pPr marL="514350" indent="-514350">
-              <a:buFont typeface="+mj-lt"/>
-              <a:buAutoNum type="romanUcPeriod"/>
-            </a:pPr>
-            <a:r>
               <a:rPr lang="en-US" dirty="0">
                 <a:latin typeface="Arial" panose="020B0604020202020204" pitchFamily="34" charset="0"/>
                 <a:cs typeface="Arial" panose="020B0604020202020204" pitchFamily="34" charset="0"/>
@@ -7584,575 +7570,6 @@
       </p:grpSpPr>
       <p:sp>
         <p:nvSpPr>
-          <p:cNvPr id="2" name="Title 1"/>
-          <p:cNvSpPr>
-            <a:spLocks noGrp="1"/>
-          </p:cNvSpPr>
-          <p:nvPr>
-            <p:ph type="title"/>
-          </p:nvPr>
-        </p:nvSpPr>
-        <p:spPr>
-          <a:xfrm>
-            <a:off x="1104900" y="-10064"/>
-            <a:ext cx="9980682" cy="1096962"/>
-          </a:xfrm>
-        </p:spPr>
-        <p:txBody>
-          <a:bodyPr/>
-          <a:lstStyle/>
-          <a:p>
-            <a:r>
-              <a:rPr lang="en-US" dirty="0"/>
-              <a:t>Working Principle of ELISA</a:t>
-            </a:r>
-          </a:p>
-        </p:txBody>
-      </p:sp>
-      <p:pic>
-        <p:nvPicPr>
-          <p:cNvPr id="7" name="Picture 6">
-            <a:extLst>
-              <a:ext uri="{FF2B5EF4-FFF2-40B4-BE49-F238E27FC236}">
-                <a16:creationId xmlns:a16="http://schemas.microsoft.com/office/drawing/2014/main" id="{370EBD39-1B28-1E94-2705-896B0C6E0B33}"/>
-              </a:ext>
-            </a:extLst>
-          </p:cNvPr>
-          <p:cNvPicPr>
-            <a:picLocks noChangeAspect="1"/>
-          </p:cNvPicPr>
-          <p:nvPr/>
-        </p:nvPicPr>
-        <p:blipFill>
-          <a:blip r:embed="rId2">
-            <a:extLst>
-              <a:ext uri="{28A0092B-C50C-407E-A947-70E740481C1C}">
-                <a14:useLocalDpi xmlns:a14="http://schemas.microsoft.com/office/drawing/2010/main" val="0"/>
-              </a:ext>
-            </a:extLst>
-          </a:blip>
-          <a:srcRect/>
-          <a:stretch>
-            <a:fillRect/>
-          </a:stretch>
-        </p:blipFill>
-        <p:spPr bwMode="auto">
-          <a:xfrm>
-            <a:off x="8229599" y="1600199"/>
-            <a:ext cx="2855983" cy="3437627"/>
-          </a:xfrm>
-          <a:prstGeom prst="rect">
-            <a:avLst/>
-          </a:prstGeom>
-          <a:noFill/>
-        </p:spPr>
-      </p:pic>
-      <p:sp>
-        <p:nvSpPr>
-          <p:cNvPr id="9" name="Rectangle 2">
-            <a:extLst>
-              <a:ext uri="{FF2B5EF4-FFF2-40B4-BE49-F238E27FC236}">
-                <a16:creationId xmlns:a16="http://schemas.microsoft.com/office/drawing/2014/main" id="{6F2129BB-85AA-2725-7FBB-1EF312718F7B}"/>
-              </a:ext>
-            </a:extLst>
-          </p:cNvPr>
-          <p:cNvSpPr>
-            <a:spLocks noGrp="1" noChangeArrowheads="1"/>
-          </p:cNvSpPr>
-          <p:nvPr>
-            <p:ph type="body" sz="half" idx="2"/>
-          </p:nvPr>
-        </p:nvSpPr>
-        <p:spPr bwMode="auto">
-          <a:xfrm>
-            <a:off x="345058" y="1241175"/>
-            <a:ext cx="8005312" cy="5921470"/>
-          </a:xfrm>
-          <a:prstGeom prst="rect">
-            <a:avLst/>
-          </a:prstGeom>
-          <a:noFill/>
-          <a:ln>
-            <a:noFill/>
-          </a:ln>
-          <a:effectLst/>
-          <a:extLst>
-            <a:ext uri="{909E8E84-426E-40DD-AFC4-6F175D3DCCD1}">
-              <a14:hiddenFill xmlns:a14="http://schemas.microsoft.com/office/drawing/2010/main">
-                <a:solidFill>
-                  <a:schemeClr val="accent1"/>
-                </a:solidFill>
-              </a14:hiddenFill>
-            </a:ext>
-            <a:ext uri="{91240B29-F687-4F45-9708-019B960494DF}">
-              <a14:hiddenLine xmlns:a14="http://schemas.microsoft.com/office/drawing/2010/main" w="9525">
-                <a:solidFill>
-                  <a:schemeClr val="tx1"/>
-                </a:solidFill>
-                <a:miter lim="800000"/>
-                <a:headEnd/>
-                <a:tailEnd/>
-              </a14:hiddenLine>
-            </a:ext>
-            <a:ext uri="{AF507438-7753-43E0-B8FC-AC1667EBCBE1}">
-              <a14:hiddenEffects xmlns:a14="http://schemas.microsoft.com/office/drawing/2010/main">
-                <a:effectLst>
-                  <a:outerShdw dist="35921" dir="2700000" algn="ctr" rotWithShape="0">
-                    <a:schemeClr val="bg2"/>
-                  </a:outerShdw>
-                </a:effectLst>
-              </a14:hiddenEffects>
-            </a:ext>
-          </a:extLst>
-        </p:spPr>
-        <p:txBody>
-          <a:bodyPr vert="horz" wrap="square" lIns="0" tIns="36501" rIns="0" bIns="36501" numCol="1" anchor="ctr" anchorCtr="0" compatLnSpc="1">
-            <a:prstTxWarp prst="textNoShape">
-              <a:avLst/>
-            </a:prstTxWarp>
-            <a:spAutoFit/>
-          </a:bodyPr>
-          <a:lstStyle>
-            <a:lvl1pPr eaLnBrk="0" fontAlgn="base" hangingPunct="0">
-              <a:spcBef>
-                <a:spcPct val="0"/>
-              </a:spcBef>
-              <a:spcAft>
-                <a:spcPct val="0"/>
-              </a:spcAft>
-              <a:defRPr>
-                <a:solidFill>
-                  <a:schemeClr val="tx1"/>
-                </a:solidFill>
-                <a:latin typeface="Arial" panose="020B0604020202020204" pitchFamily="34" charset="0"/>
-              </a:defRPr>
-            </a:lvl1pPr>
-            <a:lvl2pPr eaLnBrk="0" fontAlgn="base" hangingPunct="0">
-              <a:spcBef>
-                <a:spcPct val="0"/>
-              </a:spcBef>
-              <a:spcAft>
-                <a:spcPct val="0"/>
-              </a:spcAft>
-              <a:defRPr>
-                <a:solidFill>
-                  <a:schemeClr val="tx1"/>
-                </a:solidFill>
-                <a:latin typeface="Arial" panose="020B0604020202020204" pitchFamily="34" charset="0"/>
-              </a:defRPr>
-            </a:lvl2pPr>
-            <a:lvl3pPr eaLnBrk="0" fontAlgn="base" hangingPunct="0">
-              <a:spcBef>
-                <a:spcPct val="0"/>
-              </a:spcBef>
-              <a:spcAft>
-                <a:spcPct val="0"/>
-              </a:spcAft>
-              <a:defRPr>
-                <a:solidFill>
-                  <a:schemeClr val="tx1"/>
-                </a:solidFill>
-                <a:latin typeface="Arial" panose="020B0604020202020204" pitchFamily="34" charset="0"/>
-              </a:defRPr>
-            </a:lvl3pPr>
-            <a:lvl4pPr eaLnBrk="0" fontAlgn="base" hangingPunct="0">
-              <a:spcBef>
-                <a:spcPct val="0"/>
-              </a:spcBef>
-              <a:spcAft>
-                <a:spcPct val="0"/>
-              </a:spcAft>
-              <a:defRPr>
-                <a:solidFill>
-                  <a:schemeClr val="tx1"/>
-                </a:solidFill>
-                <a:latin typeface="Arial" panose="020B0604020202020204" pitchFamily="34" charset="0"/>
-              </a:defRPr>
-            </a:lvl4pPr>
-            <a:lvl5pPr eaLnBrk="0" fontAlgn="base" hangingPunct="0">
-              <a:spcBef>
-                <a:spcPct val="0"/>
-              </a:spcBef>
-              <a:spcAft>
-                <a:spcPct val="0"/>
-              </a:spcAft>
-              <a:defRPr>
-                <a:solidFill>
-                  <a:schemeClr val="tx1"/>
-                </a:solidFill>
-                <a:latin typeface="Arial" panose="020B0604020202020204" pitchFamily="34" charset="0"/>
-              </a:defRPr>
-            </a:lvl5pPr>
-            <a:lvl6pPr eaLnBrk="0" fontAlgn="base" hangingPunct="0">
-              <a:spcBef>
-                <a:spcPct val="0"/>
-              </a:spcBef>
-              <a:spcAft>
-                <a:spcPct val="0"/>
-              </a:spcAft>
-              <a:defRPr>
-                <a:solidFill>
-                  <a:schemeClr val="tx1"/>
-                </a:solidFill>
-                <a:latin typeface="Arial" panose="020B0604020202020204" pitchFamily="34" charset="0"/>
-              </a:defRPr>
-            </a:lvl6pPr>
-            <a:lvl7pPr eaLnBrk="0" fontAlgn="base" hangingPunct="0">
-              <a:spcBef>
-                <a:spcPct val="0"/>
-              </a:spcBef>
-              <a:spcAft>
-                <a:spcPct val="0"/>
-              </a:spcAft>
-              <a:defRPr>
-                <a:solidFill>
-                  <a:schemeClr val="tx1"/>
-                </a:solidFill>
-                <a:latin typeface="Arial" panose="020B0604020202020204" pitchFamily="34" charset="0"/>
-              </a:defRPr>
-            </a:lvl7pPr>
-            <a:lvl8pPr eaLnBrk="0" fontAlgn="base" hangingPunct="0">
-              <a:spcBef>
-                <a:spcPct val="0"/>
-              </a:spcBef>
-              <a:spcAft>
-                <a:spcPct val="0"/>
-              </a:spcAft>
-              <a:defRPr>
-                <a:solidFill>
-                  <a:schemeClr val="tx1"/>
-                </a:solidFill>
-                <a:latin typeface="Arial" panose="020B0604020202020204" pitchFamily="34" charset="0"/>
-              </a:defRPr>
-            </a:lvl8pPr>
-            <a:lvl9pPr eaLnBrk="0" fontAlgn="base" hangingPunct="0">
-              <a:spcBef>
-                <a:spcPct val="0"/>
-              </a:spcBef>
-              <a:spcAft>
-                <a:spcPct val="0"/>
-              </a:spcAft>
-              <a:defRPr>
-                <a:solidFill>
-                  <a:schemeClr val="tx1"/>
-                </a:solidFill>
-                <a:latin typeface="Arial" panose="020B0604020202020204" pitchFamily="34" charset="0"/>
-              </a:defRPr>
-            </a:lvl9pPr>
-          </a:lstStyle>
-          <a:p>
-            <a:pPr marL="0" marR="0" lvl="0" indent="0" defTabSz="914400" rtl="0" eaLnBrk="0" fontAlgn="base" latinLnBrk="0" hangingPunct="0">
-              <a:lnSpc>
-                <a:spcPct val="100000"/>
-              </a:lnSpc>
-              <a:spcBef>
-                <a:spcPct val="0"/>
-              </a:spcBef>
-              <a:spcAft>
-                <a:spcPct val="0"/>
-              </a:spcAft>
-              <a:buClrTx/>
-              <a:buSzTx/>
-              <a:buFontTx/>
-              <a:buNone/>
-              <a:tabLst/>
-            </a:pPr>
-            <a:endParaRPr lang="en-US" altLang="en-US" sz="1200" dirty="0">
-              <a:cs typeface="Arial" panose="020B0604020202020204" pitchFamily="34" charset="0"/>
-            </a:endParaRPr>
-          </a:p>
-          <a:p>
-            <a:pPr marL="0" marR="0" lvl="0" indent="0" defTabSz="914400" rtl="0" eaLnBrk="0" fontAlgn="base" latinLnBrk="0" hangingPunct="0">
-              <a:lnSpc>
-                <a:spcPct val="100000"/>
-              </a:lnSpc>
-              <a:spcBef>
-                <a:spcPct val="0"/>
-              </a:spcBef>
-              <a:spcAft>
-                <a:spcPct val="0"/>
-              </a:spcAft>
-              <a:buClrTx/>
-              <a:buSzTx/>
-              <a:buFontTx/>
-              <a:buNone/>
-              <a:tabLst/>
-            </a:pPr>
-            <a:r>
-              <a:rPr kumimoji="0" lang="en-US" altLang="en-US" sz="1400" b="0" i="0" u="none" strike="noStrike" cap="none" normalizeH="0" baseline="0" dirty="0">
-                <a:ln>
-                  <a:noFill/>
-                </a:ln>
-                <a:solidFill>
-                  <a:schemeClr val="tx1"/>
-                </a:solidFill>
-                <a:effectLst/>
-                <a:cs typeface="Arial" panose="020B0604020202020204" pitchFamily="34" charset="0"/>
-              </a:rPr>
-              <a:t>ELISA tests can be used to detect the presence of antibodies to certain proteins that are involved in the development of type 1 diabetes. These antibodies include:</a:t>
-            </a:r>
-          </a:p>
-          <a:p>
-            <a:pPr marL="0" marR="0" lvl="0" indent="0" defTabSz="914400" rtl="0" eaLnBrk="0" fontAlgn="base" latinLnBrk="0" hangingPunct="0">
-              <a:lnSpc>
-                <a:spcPct val="100000"/>
-              </a:lnSpc>
-              <a:spcBef>
-                <a:spcPct val="0"/>
-              </a:spcBef>
-              <a:spcAft>
-                <a:spcPct val="0"/>
-              </a:spcAft>
-              <a:buClrTx/>
-              <a:buSzTx/>
-              <a:buFontTx/>
-              <a:buChar char="•"/>
-              <a:tabLst/>
-            </a:pPr>
-            <a:r>
-              <a:rPr kumimoji="0" lang="en-US" altLang="en-US" sz="1400" b="0" i="0" u="none" strike="noStrike" cap="none" normalizeH="0" baseline="0" dirty="0">
-                <a:ln>
-                  <a:noFill/>
-                </a:ln>
-                <a:solidFill>
-                  <a:schemeClr val="tx1"/>
-                </a:solidFill>
-                <a:effectLst/>
-                <a:cs typeface="Arial" panose="020B0604020202020204" pitchFamily="34" charset="0"/>
-              </a:rPr>
-              <a:t>GAD antibodies: GAD stands for glutamic acid decarboxylase. GAD is an enzyme that is involved in the production of insulin. Antibodies to GAD are present in about 90% of people with type 1 diabetes.</a:t>
-            </a:r>
-          </a:p>
-          <a:p>
-            <a:pPr marL="0" marR="0" lvl="0" indent="0" defTabSz="914400" rtl="0" eaLnBrk="0" fontAlgn="base" latinLnBrk="0" hangingPunct="0">
-              <a:lnSpc>
-                <a:spcPct val="100000"/>
-              </a:lnSpc>
-              <a:spcBef>
-                <a:spcPct val="0"/>
-              </a:spcBef>
-              <a:spcAft>
-                <a:spcPct val="0"/>
-              </a:spcAft>
-              <a:buClrTx/>
-              <a:buSzTx/>
-              <a:buFontTx/>
-              <a:buChar char="•"/>
-              <a:tabLst/>
-            </a:pPr>
-            <a:r>
-              <a:rPr kumimoji="0" lang="en-US" altLang="en-US" sz="1400" b="0" i="0" u="none" strike="noStrike" cap="none" normalizeH="0" baseline="0" dirty="0">
-                <a:ln>
-                  <a:noFill/>
-                </a:ln>
-                <a:solidFill>
-                  <a:schemeClr val="tx1"/>
-                </a:solidFill>
-                <a:effectLst/>
-                <a:cs typeface="Arial" panose="020B0604020202020204" pitchFamily="34" charset="0"/>
-              </a:rPr>
-              <a:t>IA-2 antibodies: IA-2 is a protein that is found on the surface of beta cells, which are the cells in the pancreas that produce insulin. Antibodies to IA-2 are present in about 60% of people with type 1 diabetes.</a:t>
-            </a:r>
-          </a:p>
-          <a:p>
-            <a:pPr marL="0" marR="0" lvl="0" indent="0" defTabSz="914400" rtl="0" eaLnBrk="0" fontAlgn="base" latinLnBrk="0" hangingPunct="0">
-              <a:lnSpc>
-                <a:spcPct val="100000"/>
-              </a:lnSpc>
-              <a:spcBef>
-                <a:spcPct val="0"/>
-              </a:spcBef>
-              <a:spcAft>
-                <a:spcPct val="0"/>
-              </a:spcAft>
-              <a:buClrTx/>
-              <a:buSzTx/>
-              <a:buFontTx/>
-              <a:buChar char="•"/>
-              <a:tabLst/>
-            </a:pPr>
-            <a:r>
-              <a:rPr kumimoji="0" lang="en-US" altLang="en-US" sz="1400" b="0" i="0" u="none" strike="noStrike" cap="none" normalizeH="0" baseline="0" dirty="0">
-                <a:ln>
-                  <a:noFill/>
-                </a:ln>
-                <a:solidFill>
-                  <a:schemeClr val="tx1"/>
-                </a:solidFill>
-                <a:effectLst/>
-                <a:cs typeface="Arial" panose="020B0604020202020204" pitchFamily="34" charset="0"/>
-              </a:rPr>
-              <a:t>ICA antibodies: ICA stands for islet cell antibodies. ICA are a group of antibodies that are directed against several different proteins that are found in the islets of Langerhans, which are the clusters of cells in the pancreas that produce insulin. ICA are present in about 70% of people with type 1 diabetes.</a:t>
-            </a:r>
-          </a:p>
-          <a:p>
-            <a:pPr marL="0" marR="0" lvl="0" indent="0" defTabSz="914400" rtl="0" eaLnBrk="0" fontAlgn="base" latinLnBrk="0" hangingPunct="0">
-              <a:lnSpc>
-                <a:spcPct val="100000"/>
-              </a:lnSpc>
-              <a:spcBef>
-                <a:spcPct val="0"/>
-              </a:spcBef>
-              <a:spcAft>
-                <a:spcPct val="0"/>
-              </a:spcAft>
-              <a:buClrTx/>
-              <a:buSzTx/>
-              <a:buFontTx/>
-              <a:buNone/>
-              <a:tabLst/>
-            </a:pPr>
-            <a:r>
-              <a:rPr kumimoji="0" lang="en-US" altLang="en-US" sz="1400" b="0" i="0" u="none" strike="noStrike" cap="none" normalizeH="0" baseline="0" dirty="0">
-                <a:ln>
-                  <a:noFill/>
-                </a:ln>
-                <a:solidFill>
-                  <a:schemeClr val="tx1"/>
-                </a:solidFill>
-                <a:effectLst/>
-                <a:cs typeface="Arial" panose="020B0604020202020204" pitchFamily="34" charset="0"/>
-              </a:rPr>
-              <a:t>ELISA tests for these antibodies can be used to screen for type 1 diabetes in people who are at high risk for the disease, such as those who have a family history of type 1 diabetes. They can also be used to diagnose type 1 diabetes in people who are already showing symptoms of the disease.</a:t>
-            </a:r>
-          </a:p>
-          <a:p>
-            <a:pPr marL="0" marR="0" lvl="0" indent="0" defTabSz="914400" rtl="0" eaLnBrk="0" fontAlgn="base" latinLnBrk="0" hangingPunct="0">
-              <a:lnSpc>
-                <a:spcPct val="100000"/>
-              </a:lnSpc>
-              <a:spcBef>
-                <a:spcPct val="0"/>
-              </a:spcBef>
-              <a:spcAft>
-                <a:spcPct val="0"/>
-              </a:spcAft>
-              <a:buClrTx/>
-              <a:buSzTx/>
-              <a:buFontTx/>
-              <a:buNone/>
-              <a:tabLst/>
-            </a:pPr>
-            <a:r>
-              <a:rPr kumimoji="0" lang="en-US" altLang="en-US" sz="1400" b="0" i="0" u="none" strike="noStrike" cap="none" normalizeH="0" baseline="0" dirty="0">
-                <a:ln>
-                  <a:noFill/>
-                </a:ln>
-                <a:solidFill>
-                  <a:schemeClr val="tx1"/>
-                </a:solidFill>
-                <a:effectLst/>
-                <a:cs typeface="Arial" panose="020B0604020202020204" pitchFamily="34" charset="0"/>
-              </a:rPr>
-              <a:t>It is important to note that ELISA tests for antibodies to GAD, IA-2, and ICA are not 100% accurate. A negative test does not necessarily mean that a person does not have type 1 diabetes, and a positive test does not necessarily mean that a person will develop type 1 diabetes. However, these tests are a valuable tool for the early diagnosis of type 1 diabetes and for the identification of people who are at high risk for the disease.</a:t>
-            </a:r>
-          </a:p>
-          <a:p>
-            <a:pPr marL="0" marR="0" lvl="0" indent="0" defTabSz="914400" rtl="0" eaLnBrk="0" fontAlgn="base" latinLnBrk="0" hangingPunct="0">
-              <a:lnSpc>
-                <a:spcPct val="100000"/>
-              </a:lnSpc>
-              <a:spcBef>
-                <a:spcPct val="0"/>
-              </a:spcBef>
-              <a:spcAft>
-                <a:spcPct val="0"/>
-              </a:spcAft>
-              <a:buClrTx/>
-              <a:buSzTx/>
-              <a:buFontTx/>
-              <a:buNone/>
-              <a:tabLst/>
-            </a:pPr>
-            <a:r>
-              <a:rPr kumimoji="0" lang="en-US" altLang="en-US" sz="1400" b="0" i="0" u="none" strike="noStrike" cap="none" normalizeH="0" baseline="0" dirty="0">
-                <a:ln>
-                  <a:noFill/>
-                </a:ln>
-                <a:solidFill>
-                  <a:schemeClr val="tx1"/>
-                </a:solidFill>
-                <a:effectLst/>
-                <a:cs typeface="Arial" panose="020B0604020202020204" pitchFamily="34" charset="0"/>
-              </a:rPr>
-              <a:t>In addition to detecting antibodies to GAD, IA-2, and ICA, ELISA tests can also be used to measure the levels of insulin in the blood. This can be helpful in diagnosing and managing type 1 diabetes.</a:t>
-            </a:r>
-          </a:p>
-          <a:p>
-            <a:pPr marL="0" marR="0" lvl="0" indent="0" defTabSz="914400" rtl="0" eaLnBrk="0" fontAlgn="base" latinLnBrk="0" hangingPunct="0">
-              <a:lnSpc>
-                <a:spcPct val="100000"/>
-              </a:lnSpc>
-              <a:spcBef>
-                <a:spcPct val="0"/>
-              </a:spcBef>
-              <a:spcAft>
-                <a:spcPct val="0"/>
-              </a:spcAft>
-              <a:buClrTx/>
-              <a:buSzTx/>
-              <a:buFontTx/>
-              <a:buNone/>
-              <a:tabLst/>
-            </a:pPr>
-            <a:r>
-              <a:rPr kumimoji="0" lang="en-US" altLang="en-US" sz="1400" b="0" i="0" u="none" strike="noStrike" cap="none" normalizeH="0" baseline="0" dirty="0">
-                <a:ln>
-                  <a:noFill/>
-                </a:ln>
-                <a:solidFill>
-                  <a:schemeClr val="tx1"/>
-                </a:solidFill>
-                <a:effectLst/>
-                <a:cs typeface="Arial" panose="020B0604020202020204" pitchFamily="34" charset="0"/>
-              </a:rPr>
-              <a:t>Overall, ELISA tests are a valuable tool for the diagnosis and management of type 1 diabetes. They are relatively inexpensive and easy to perform, and they are highly sensitive and specific. However, they can be time-consuming and affected by the presence of other proteins in the sample.</a:t>
-            </a:r>
-          </a:p>
-          <a:p>
-            <a:pPr marL="0" marR="0" lvl="0" indent="0" defTabSz="914400" rtl="0" eaLnBrk="0" fontAlgn="base" latinLnBrk="0" hangingPunct="0">
-              <a:lnSpc>
-                <a:spcPct val="100000"/>
-              </a:lnSpc>
-              <a:spcBef>
-                <a:spcPct val="0"/>
-              </a:spcBef>
-              <a:spcAft>
-                <a:spcPct val="0"/>
-              </a:spcAft>
-              <a:buClrTx/>
-              <a:buSzTx/>
-              <a:buFontTx/>
-              <a:buNone/>
-              <a:tabLst/>
-            </a:pPr>
-            <a:br>
-              <a:rPr kumimoji="0" lang="en-US" altLang="en-US" sz="1600" b="0" i="0" u="none" strike="noStrike" cap="none" normalizeH="0" baseline="0" dirty="0">
-                <a:ln>
-                  <a:noFill/>
-                </a:ln>
-                <a:solidFill>
-                  <a:schemeClr val="tx1"/>
-                </a:solidFill>
-                <a:effectLst/>
-                <a:cs typeface="Arial" panose="020B0604020202020204" pitchFamily="34" charset="0"/>
-              </a:rPr>
-            </a:br>
-            <a:endParaRPr kumimoji="0" lang="en-US" altLang="en-US" sz="1600" b="0" i="0" u="none" strike="noStrike" cap="none" normalizeH="0" baseline="0" dirty="0">
-              <a:ln>
-                <a:noFill/>
-              </a:ln>
-              <a:solidFill>
-                <a:schemeClr val="tx1"/>
-              </a:solidFill>
-              <a:effectLst/>
-              <a:cs typeface="Arial" panose="020B0604020202020204" pitchFamily="34" charset="0"/>
-            </a:endParaRPr>
-          </a:p>
-        </p:txBody>
-      </p:sp>
-      <p:sp>
-        <p:nvSpPr>
           <p:cNvPr id="10" name="Rectangle 9">
             <a:extLst>
               <a:ext uri="{FF2B5EF4-FFF2-40B4-BE49-F238E27FC236}">
@@ -8165,8 +7582,8 @@
         </p:nvSpPr>
         <p:spPr>
           <a:xfrm>
-            <a:off x="6435305" y="71153"/>
-            <a:ext cx="5521624" cy="1015745"/>
+            <a:off x="3243532" y="71153"/>
+            <a:ext cx="7781744" cy="1015745"/>
           </a:xfrm>
           <a:prstGeom prst="rect">
             <a:avLst/>
@@ -8196,7 +7613,7 @@
             </a:r>
             <a:r>
               <a:rPr lang="en-US" dirty="0">
-                <a:hlinkClick r:id="rId3"/>
+                <a:hlinkClick r:id="rId2"/>
               </a:rPr>
               <a:t>type 1 diabetes</a:t>
             </a:r>
@@ -8204,6 +7621,103 @@
               <a:rPr lang="en-US" dirty="0"/>
               <a:t>, and accounts for around 90% of all diabetes worldwide.</a:t>
             </a:r>
+          </a:p>
+        </p:txBody>
+      </p:sp>
+      <p:sp>
+        <p:nvSpPr>
+          <p:cNvPr id="11" name="Text Placeholder 10">
+            <a:extLst>
+              <a:ext uri="{FF2B5EF4-FFF2-40B4-BE49-F238E27FC236}">
+                <a16:creationId xmlns:a16="http://schemas.microsoft.com/office/drawing/2014/main" id="{DD2329C9-FC42-7733-81C1-63EA83593640}"/>
+              </a:ext>
+            </a:extLst>
+          </p:cNvPr>
+          <p:cNvSpPr>
+            <a:spLocks noGrp="1"/>
+          </p:cNvSpPr>
+          <p:nvPr>
+            <p:ph type="body" sz="half" idx="2"/>
+          </p:nvPr>
+        </p:nvSpPr>
+        <p:spPr>
+          <a:xfrm>
+            <a:off x="1000663" y="1535503"/>
+            <a:ext cx="10956265" cy="5251344"/>
+          </a:xfrm>
+        </p:spPr>
+        <p:txBody>
+          <a:bodyPr>
+            <a:noAutofit/>
+          </a:bodyPr>
+          <a:lstStyle/>
+          <a:p>
+            <a:pPr algn="l"/>
+            <a:r>
+              <a:rPr lang="en-US" sz="2000" b="0" i="0" dirty="0">
+                <a:solidFill>
+                  <a:srgbClr val="222222"/>
+                </a:solidFill>
+                <a:effectLst/>
+                <a:latin typeface="Arial" panose="020B0604020202020204" pitchFamily="34" charset="0"/>
+              </a:rPr>
+              <a:t>The materials and methods of biochemical tests of diabetic patients vary depending on the specific test being performed. However, some general materials and methods that are commonly used include:</a:t>
+            </a:r>
+          </a:p>
+          <a:p>
+            <a:pPr algn="l"/>
+            <a:r>
+              <a:rPr lang="en-US" sz="2000" b="0" i="0" dirty="0">
+                <a:solidFill>
+                  <a:srgbClr val="222222"/>
+                </a:solidFill>
+                <a:effectLst/>
+                <a:latin typeface="Arial" panose="020B0604020202020204" pitchFamily="34" charset="0"/>
+              </a:rPr>
+              <a:t>Blood samples: Blood samples are typically collected from a vein in the arm. The sample is then processed in a laboratory to measure the levels of various biochemical markers.</a:t>
+            </a:r>
+          </a:p>
+          <a:p>
+            <a:pPr algn="l"/>
+            <a:r>
+              <a:rPr lang="en-US" sz="2000" b="0" i="0" dirty="0">
+                <a:solidFill>
+                  <a:srgbClr val="222222"/>
+                </a:solidFill>
+                <a:effectLst/>
+                <a:latin typeface="Arial" panose="020B0604020202020204" pitchFamily="34" charset="0"/>
+              </a:rPr>
+              <a:t>Urine samples: Urine samples are typically collected in a clean container. The sample is then analyzed in a laboratory to measure the levels of various biochemical markers.</a:t>
+            </a:r>
+          </a:p>
+          <a:p>
+            <a:pPr algn="l"/>
+            <a:r>
+              <a:rPr lang="en-US" sz="2000" b="0" i="0" dirty="0">
+                <a:solidFill>
+                  <a:srgbClr val="222222"/>
+                </a:solidFill>
+                <a:effectLst/>
+                <a:latin typeface="Arial" panose="020B0604020202020204" pitchFamily="34" charset="0"/>
+              </a:rPr>
+              <a:t>Biochemical assays: Biochemical assays are used to measure the levels of specific biochemical markers in blood or urine samples. These assays can be performed using a variety of methods, including enzyme-linked immunosorbent assay (ELISA), colorimetric assays, and fluorometric assays.</a:t>
+            </a:r>
+          </a:p>
+          <a:p>
+            <a:pPr algn="l"/>
+            <a:r>
+              <a:rPr lang="en-US" sz="2000" b="0" i="0" dirty="0">
+                <a:solidFill>
+                  <a:srgbClr val="222222"/>
+                </a:solidFill>
+                <a:effectLst/>
+                <a:latin typeface="Arial" panose="020B0604020202020204" pitchFamily="34" charset="0"/>
+              </a:rPr>
+              <a:t>The methods used to perform biochemical tests of diabetic patients are constantly being refined and improved. As new technologies are developed, it is becoming possible to measure more biochemical markers with greater accuracy and sensitivity. This is leading to a better understanding of the biochemical changes that occur in diabetes and is helping to improve the diagnosis and treatment of this chronic disease.</a:t>
+            </a:r>
+          </a:p>
+          <a:p>
+            <a:endParaRPr lang="en-US" sz="2000" dirty="0"/>
           </a:p>
         </p:txBody>
       </p:sp>
